--- a/QVDF_Teaching.pptx
+++ b/QVDF_Teaching.pptx
@@ -233,7 +233,7 @@
           <a:p>
             <a:fld id="{D673980F-76EE-4E73-8FF8-BAE7331CE7D3}" type="datetimeFigureOut">
               <a:rPr lang="en-US" smtClean="0"/>
-              <a:t>6/29/2022</a:t>
+              <a:t>6/30/2022</a:t>
             </a:fld>
             <a:endParaRPr lang="en-US"/>
           </a:p>
@@ -2101,7 +2101,7 @@
           <a:p>
             <a:fld id="{658FD857-A870-45F6-85C6-1CC3D1BA7D1E}" type="datetime1">
               <a:rPr lang="en-US" smtClean="0"/>
-              <a:t>6/29/2022</a:t>
+              <a:t>6/30/2022</a:t>
             </a:fld>
             <a:endParaRPr lang="en-US"/>
           </a:p>
@@ -2264,7 +2264,7 @@
           <a:p>
             <a:fld id="{6B55E4F6-F615-4F01-BAFC-31BCCF551771}" type="datetime1">
               <a:rPr lang="en-US" smtClean="0"/>
-              <a:t>6/29/2022</a:t>
+              <a:t>6/30/2022</a:t>
             </a:fld>
             <a:endParaRPr lang="en-US"/>
           </a:p>
@@ -2437,7 +2437,7 @@
           <a:p>
             <a:fld id="{8B017773-B74D-41F6-84F7-E75168F79C9A}" type="datetime1">
               <a:rPr lang="en-US" smtClean="0"/>
-              <a:t>6/29/2022</a:t>
+              <a:t>6/30/2022</a:t>
             </a:fld>
             <a:endParaRPr lang="en-US"/>
           </a:p>
@@ -2600,7 +2600,7 @@
           <a:p>
             <a:fld id="{035D38B9-4564-441E-A597-D46586FB14C0}" type="datetime1">
               <a:rPr lang="en-US" smtClean="0"/>
-              <a:t>6/29/2022</a:t>
+              <a:t>6/30/2022</a:t>
             </a:fld>
             <a:endParaRPr lang="en-US"/>
           </a:p>
@@ -2840,7 +2840,7 @@
           <a:p>
             <a:fld id="{F4BD8B59-4B29-4C9B-8D9B-FCB4DC6F9A45}" type="datetime1">
               <a:rPr lang="en-US" smtClean="0"/>
-              <a:t>6/29/2022</a:t>
+              <a:t>6/30/2022</a:t>
             </a:fld>
             <a:endParaRPr lang="en-US"/>
           </a:p>
@@ -3064,7 +3064,7 @@
           <a:p>
             <a:fld id="{5B1536EE-9F82-46E5-9182-D9083359EAB8}" type="datetime1">
               <a:rPr lang="en-US" smtClean="0"/>
-              <a:t>6/29/2022</a:t>
+              <a:t>6/30/2022</a:t>
             </a:fld>
             <a:endParaRPr lang="en-US"/>
           </a:p>
@@ -3423,7 +3423,7 @@
           <a:p>
             <a:fld id="{4C20F202-C837-42E9-B0E5-FA5CB2950381}" type="datetime1">
               <a:rPr lang="en-US" smtClean="0"/>
-              <a:t>6/29/2022</a:t>
+              <a:t>6/30/2022</a:t>
             </a:fld>
             <a:endParaRPr lang="en-US"/>
           </a:p>
@@ -3535,7 +3535,7 @@
           <a:p>
             <a:fld id="{17081C77-CF81-43BE-A474-A3AF0A3F1732}" type="datetime1">
               <a:rPr lang="en-US" smtClean="0"/>
-              <a:t>6/29/2022</a:t>
+              <a:t>6/30/2022</a:t>
             </a:fld>
             <a:endParaRPr lang="en-US"/>
           </a:p>
@@ -3625,7 +3625,7 @@
           <a:p>
             <a:fld id="{F8A37003-A184-4A53-84B1-8B295034F288}" type="datetime1">
               <a:rPr lang="en-US" smtClean="0"/>
-              <a:t>6/29/2022</a:t>
+              <a:t>6/30/2022</a:t>
             </a:fld>
             <a:endParaRPr lang="en-US"/>
           </a:p>
@@ -3895,7 +3895,7 @@
           <a:p>
             <a:fld id="{CE5020D1-F0F5-49EA-AAAC-F34231FFF2A0}" type="datetime1">
               <a:rPr lang="en-US" smtClean="0"/>
-              <a:t>6/29/2022</a:t>
+              <a:t>6/30/2022</a:t>
             </a:fld>
             <a:endParaRPr lang="en-US"/>
           </a:p>
@@ -4142,7 +4142,7 @@
           <a:p>
             <a:fld id="{B0008502-2FED-41D9-B948-699CC35B9FF2}" type="datetime1">
               <a:rPr lang="en-US" smtClean="0"/>
-              <a:t>6/29/2022</a:t>
+              <a:t>6/30/2022</a:t>
             </a:fld>
             <a:endParaRPr lang="en-US"/>
           </a:p>
@@ -4348,7 +4348,7 @@
           <a:p>
             <a:fld id="{443658E1-D677-43DE-856A-CF310038D9A2}" type="datetime1">
               <a:rPr lang="en-US" smtClean="0"/>
-              <a:t>6/29/2022</a:t>
+              <a:t>6/30/2022</a:t>
             </a:fld>
             <a:endParaRPr lang="en-US"/>
           </a:p>
@@ -9270,27 +9270,7 @@
                   </a:schemeClr>
                 </a:solidFill>
               </a:rPr>
-              <a:t>Zhou Simon, </a:t>
-            </a:r>
-            <a:r>
-              <a:rPr lang="en-US" altLang="zh-CN" sz="1400" dirty="0" err="1">
-                <a:solidFill>
-                  <a:schemeClr val="bg2">
-                    <a:lumMod val="75000"/>
-                  </a:schemeClr>
-                </a:solidFill>
-              </a:rPr>
-              <a:t>Xuesong</a:t>
-            </a:r>
-            <a:r>
-              <a:rPr lang="en-US" altLang="zh-CN" sz="1400" dirty="0">
-                <a:solidFill>
-                  <a:schemeClr val="bg2">
-                    <a:lumMod val="75000"/>
-                  </a:schemeClr>
-                </a:solidFill>
-              </a:rPr>
-              <a:t>, </a:t>
+              <a:t>Zhou, Xuesong, </a:t>
             </a:r>
             <a:r>
               <a:rPr lang="en-US" altLang="zh-CN" sz="1400" dirty="0" err="1">
